--- a/pdf/responsive_edit_minsun.pptx
+++ b/pdf/responsive_edit_minsun.pptx
@@ -280,7 +280,7 @@
           <a:p>
             <a:fld id="{97D438FB-D685-4A70-A6D3-0963B74F00B7}" type="datetimeFigureOut">
               <a:rPr lang="ko-KR" altLang="en-US" smtClean="0"/>
-              <a:t>2023-08-04</a:t>
+              <a:t>2023-08-28</a:t>
             </a:fld>
             <a:endParaRPr lang="ko-KR" altLang="en-US"/>
           </a:p>
@@ -478,7 +478,7 @@
           <a:p>
             <a:fld id="{97D438FB-D685-4A70-A6D3-0963B74F00B7}" type="datetimeFigureOut">
               <a:rPr lang="ko-KR" altLang="en-US" smtClean="0"/>
-              <a:t>2023-08-04</a:t>
+              <a:t>2023-08-28</a:t>
             </a:fld>
             <a:endParaRPr lang="ko-KR" altLang="en-US"/>
           </a:p>
@@ -686,7 +686,7 @@
           <a:p>
             <a:fld id="{97D438FB-D685-4A70-A6D3-0963B74F00B7}" type="datetimeFigureOut">
               <a:rPr lang="ko-KR" altLang="en-US" smtClean="0"/>
-              <a:t>2023-08-04</a:t>
+              <a:t>2023-08-28</a:t>
             </a:fld>
             <a:endParaRPr lang="ko-KR" altLang="en-US"/>
           </a:p>
@@ -884,7 +884,7 @@
           <a:p>
             <a:fld id="{97D438FB-D685-4A70-A6D3-0963B74F00B7}" type="datetimeFigureOut">
               <a:rPr lang="ko-KR" altLang="en-US" smtClean="0"/>
-              <a:t>2023-08-04</a:t>
+              <a:t>2023-08-28</a:t>
             </a:fld>
             <a:endParaRPr lang="ko-KR" altLang="en-US"/>
           </a:p>
@@ -1159,7 +1159,7 @@
           <a:p>
             <a:fld id="{97D438FB-D685-4A70-A6D3-0963B74F00B7}" type="datetimeFigureOut">
               <a:rPr lang="ko-KR" altLang="en-US" smtClean="0"/>
-              <a:t>2023-08-04</a:t>
+              <a:t>2023-08-28</a:t>
             </a:fld>
             <a:endParaRPr lang="ko-KR" altLang="en-US"/>
           </a:p>
@@ -1424,7 +1424,7 @@
           <a:p>
             <a:fld id="{97D438FB-D685-4A70-A6D3-0963B74F00B7}" type="datetimeFigureOut">
               <a:rPr lang="ko-KR" altLang="en-US" smtClean="0"/>
-              <a:t>2023-08-04</a:t>
+              <a:t>2023-08-28</a:t>
             </a:fld>
             <a:endParaRPr lang="ko-KR" altLang="en-US"/>
           </a:p>
@@ -1836,7 +1836,7 @@
           <a:p>
             <a:fld id="{97D438FB-D685-4A70-A6D3-0963B74F00B7}" type="datetimeFigureOut">
               <a:rPr lang="ko-KR" altLang="en-US" smtClean="0"/>
-              <a:t>2023-08-04</a:t>
+              <a:t>2023-08-28</a:t>
             </a:fld>
             <a:endParaRPr lang="ko-KR" altLang="en-US"/>
           </a:p>
@@ -1977,7 +1977,7 @@
           <a:p>
             <a:fld id="{97D438FB-D685-4A70-A6D3-0963B74F00B7}" type="datetimeFigureOut">
               <a:rPr lang="ko-KR" altLang="en-US" smtClean="0"/>
-              <a:t>2023-08-04</a:t>
+              <a:t>2023-08-28</a:t>
             </a:fld>
             <a:endParaRPr lang="ko-KR" altLang="en-US"/>
           </a:p>
@@ -2090,7 +2090,7 @@
           <a:p>
             <a:fld id="{97D438FB-D685-4A70-A6D3-0963B74F00B7}" type="datetimeFigureOut">
               <a:rPr lang="ko-KR" altLang="en-US" smtClean="0"/>
-              <a:t>2023-08-04</a:t>
+              <a:t>2023-08-28</a:t>
             </a:fld>
             <a:endParaRPr lang="ko-KR" altLang="en-US"/>
           </a:p>
@@ -2401,7 +2401,7 @@
           <a:p>
             <a:fld id="{97D438FB-D685-4A70-A6D3-0963B74F00B7}" type="datetimeFigureOut">
               <a:rPr lang="ko-KR" altLang="en-US" smtClean="0"/>
-              <a:t>2023-08-04</a:t>
+              <a:t>2023-08-28</a:t>
             </a:fld>
             <a:endParaRPr lang="ko-KR" altLang="en-US"/>
           </a:p>
@@ -2689,7 +2689,7 @@
           <a:p>
             <a:fld id="{97D438FB-D685-4A70-A6D3-0963B74F00B7}" type="datetimeFigureOut">
               <a:rPr lang="ko-KR" altLang="en-US" smtClean="0"/>
-              <a:t>2023-08-04</a:t>
+              <a:t>2023-08-28</a:t>
             </a:fld>
             <a:endParaRPr lang="ko-KR" altLang="en-US"/>
           </a:p>
@@ -2930,7 +2930,7 @@
           <a:p>
             <a:fld id="{97D438FB-D685-4A70-A6D3-0963B74F00B7}" type="datetimeFigureOut">
               <a:rPr lang="ko-KR" altLang="en-US" smtClean="0"/>
-              <a:t>2023-08-04</a:t>
+              <a:t>2023-08-28</a:t>
             </a:fld>
             <a:endParaRPr lang="ko-KR" altLang="en-US"/>
           </a:p>
@@ -19722,36 +19722,6 @@
           <a:chExt cx="0" cy="0"/>
         </a:xfrm>
       </p:grpSpPr>
-      <p:pic>
-        <p:nvPicPr>
-          <p:cNvPr id="2" name="그림 1"/>
-          <p:cNvPicPr>
-            <a:picLocks noChangeAspect="1"/>
-          </p:cNvPicPr>
-          <p:nvPr/>
-        </p:nvPicPr>
-        <p:blipFill>
-          <a:blip r:embed="rId2">
-            <a:extLst>
-              <a:ext uri="{28A0092B-C50C-407E-A947-70E740481C1C}">
-                <a14:useLocalDpi xmlns:a14="http://schemas.microsoft.com/office/drawing/2010/main" val="0"/>
-              </a:ext>
-            </a:extLst>
-          </a:blip>
-          <a:stretch>
-            <a:fillRect/>
-          </a:stretch>
-        </p:blipFill>
-        <p:spPr>
-          <a:xfrm>
-            <a:off x="2081065" y="1545150"/>
-            <a:ext cx="7430537" cy="4648849"/>
-          </a:xfrm>
-          <a:prstGeom prst="rect">
-            <a:avLst/>
-          </a:prstGeom>
-        </p:spPr>
-      </p:pic>
       <p:cxnSp>
         <p:nvCxnSpPr>
           <p:cNvPr id="6" name="직선 연결선 5">
@@ -19978,6 +19948,42 @@
           </a:p>
         </p:txBody>
       </p:sp>
+      <p:pic>
+        <p:nvPicPr>
+          <p:cNvPr id="4" name="그림 3">
+            <a:extLst>
+              <a:ext uri="{FF2B5EF4-FFF2-40B4-BE49-F238E27FC236}">
+                <a16:creationId xmlns:a16="http://schemas.microsoft.com/office/drawing/2014/main" id="{7C47A3AE-9833-1191-07AC-3D79788A97AF}"/>
+              </a:ext>
+            </a:extLst>
+          </p:cNvPr>
+          <p:cNvPicPr>
+            <a:picLocks noChangeAspect="1"/>
+          </p:cNvPicPr>
+          <p:nvPr/>
+        </p:nvPicPr>
+        <p:blipFill>
+          <a:blip r:embed="rId2">
+            <a:extLst>
+              <a:ext uri="{28A0092B-C50C-407E-A947-70E740481C1C}">
+                <a14:useLocalDpi xmlns:a14="http://schemas.microsoft.com/office/drawing/2010/main" val="0"/>
+              </a:ext>
+            </a:extLst>
+          </a:blip>
+          <a:stretch>
+            <a:fillRect/>
+          </a:stretch>
+        </p:blipFill>
+        <p:spPr>
+          <a:xfrm>
+            <a:off x="1143241" y="1256303"/>
+            <a:ext cx="9332301" cy="5402911"/>
+          </a:xfrm>
+          <a:prstGeom prst="rect">
+            <a:avLst/>
+          </a:prstGeom>
+        </p:spPr>
+      </p:pic>
     </p:spTree>
     <p:extLst>
       <p:ext uri="{BB962C8B-B14F-4D97-AF65-F5344CB8AC3E}">
